--- a/プレゼン/中間報告_danbara - コピー.pptx
+++ b/プレゼン/中間報告_danbara - コピー.pptx
@@ -5,7 +5,7 @@
     <p:sldMasterId id="2147483780" r:id="rId1"/>
   </p:sldMasterIdLst>
   <p:notesMasterIdLst>
-    <p:notesMasterId r:id="rId14"/>
+    <p:notesMasterId r:id="rId15"/>
   </p:notesMasterIdLst>
   <p:sldIdLst>
     <p:sldId id="256" r:id="rId2"/>
@@ -19,7 +19,8 @@
     <p:sldId id="287" r:id="rId10"/>
     <p:sldId id="288" r:id="rId11"/>
     <p:sldId id="289" r:id="rId12"/>
-    <p:sldId id="281" r:id="rId13"/>
+    <p:sldId id="292" r:id="rId13"/>
+    <p:sldId id="281" r:id="rId14"/>
   </p:sldIdLst>
   <p:sldSz cx="12192000" cy="6858000"/>
   <p:notesSz cx="6858000" cy="9144000"/>
@@ -4826,11 +4827,7 @@
             </a:r>
             <a:r>
               <a:rPr kumimoji="1" lang="ja-JP" altLang="en-US" sz="2800" smtClean="0"/>
-              <a:t>段</a:t>
-            </a:r>
-            <a:r>
-              <a:rPr kumimoji="1" lang="ja-JP" altLang="en-US" sz="2800" smtClean="0"/>
-              <a:t>原</a:t>
+              <a:t>段原</a:t>
             </a:r>
             <a:endParaRPr kumimoji="1" lang="en-US" altLang="ja-JP" sz="2800" dirty="0" smtClean="0"/>
           </a:p>
@@ -5447,6 +5444,60 @@
 </file>
 
 <file path=ppt/slides/slide12.xml><?xml version="1.0" encoding="utf-8"?>
+<p:sld xmlns:a="http://schemas.openxmlformats.org/drawingml/2006/main" xmlns:r="http://schemas.openxmlformats.org/officeDocument/2006/relationships" xmlns:p="http://schemas.openxmlformats.org/presentationml/2006/main">
+  <p:cSld>
+    <p:spTree>
+      <p:nvGrpSpPr>
+        <p:cNvPr id="1" name=""/>
+        <p:cNvGrpSpPr/>
+        <p:nvPr/>
+      </p:nvGrpSpPr>
+      <p:grpSpPr>
+        <a:xfrm>
+          <a:off x="0" y="0"/>
+          <a:ext cx="0" cy="0"/>
+          <a:chOff x="0" y="0"/>
+          <a:chExt cx="0" cy="0"/>
+        </a:xfrm>
+      </p:grpSpPr>
+      <p:pic>
+        <p:nvPicPr>
+          <p:cNvPr id="6" name="図 5"/>
+          <p:cNvPicPr>
+            <a:picLocks noChangeAspect="1"/>
+          </p:cNvPicPr>
+          <p:nvPr/>
+        </p:nvPicPr>
+        <p:blipFill>
+          <a:blip r:embed="rId2"/>
+          <a:stretch>
+            <a:fillRect/>
+          </a:stretch>
+        </p:blipFill>
+        <p:spPr>
+          <a:xfrm>
+            <a:off x="63733" y="2032909"/>
+            <a:ext cx="12041897" cy="2725018"/>
+          </a:xfrm>
+          <a:prstGeom prst="rect">
+            <a:avLst/>
+          </a:prstGeom>
+        </p:spPr>
+      </p:pic>
+    </p:spTree>
+    <p:extLst>
+      <p:ext uri="{BB962C8B-B14F-4D97-AF65-F5344CB8AC3E}">
+        <p14:creationId xmlns:p14="http://schemas.microsoft.com/office/powerpoint/2010/main" val="4270521482"/>
+      </p:ext>
+    </p:extLst>
+  </p:cSld>
+  <p:clrMapOvr>
+    <a:masterClrMapping/>
+  </p:clrMapOvr>
+</p:sld>
+</file>
+
+<file path=ppt/slides/slide13.xml><?xml version="1.0" encoding="utf-8"?>
 <p:sld xmlns:a="http://schemas.openxmlformats.org/drawingml/2006/main" xmlns:r="http://schemas.openxmlformats.org/officeDocument/2006/relationships" xmlns:p="http://schemas.openxmlformats.org/presentationml/2006/main">
   <p:cSld>
     <p:spTree>
